--- a/非受控文档/2_叶柏成/PPT/UML基础II.pptx
+++ b/非受控文档/2_叶柏成/PPT/UML基础II.pptx
@@ -743,6 +743,7 @@
               <a:rPr lang="zh-CN" altLang="en-US" dirty="0"/>
               <a:t>纸上原型设计的工具简单，可以快速迭代</a:t>
             </a:r>
+            <a:endParaRPr lang="en-US" altLang="zh-CN" dirty="0"/>
           </a:p>
           <a:p>
             <a:endParaRPr lang="zh-CN" altLang="en-US" dirty="0"/>
@@ -5341,7 +5342,7 @@
                 <a:latin typeface="宋体" panose="02010600030101010101" pitchFamily="2" charset="-122"/>
                 <a:ea typeface="宋体" panose="02010600030101010101" pitchFamily="2" charset="-122"/>
               </a:rPr>
-              <a:t>，能帮助我们探究一个要实现的系统的部分外观，并且它是一种低成本、迅速以及低技术难度的方法。</a:t>
+              <a:t>，又称为低精度模型，能帮助我们探究一个要实现的系统的部分外观，并且它是一种低成本、迅速以及低技术难度的方法。</a:t>
             </a:r>
             <a:endParaRPr lang="en-US" altLang="zh-CN" sz="2000" dirty="0">
               <a:latin typeface="宋体" panose="02010600030101010101" pitchFamily="2" charset="-122"/>

--- a/非受控文档/2_叶柏成/PPT/UML基础II.pptx
+++ b/非受控文档/2_叶柏成/PPT/UML基础II.pptx
@@ -5245,7 +5245,13 @@
                 <a:latin typeface="宋体" panose="02010600030101010101" pitchFamily="2" charset="-122"/>
                 <a:ea typeface="宋体" panose="02010600030101010101" pitchFamily="2" charset="-122"/>
               </a:rPr>
-              <a:t>RP</a:t>
+              <a:t>M</a:t>
+            </a:r>
+            <a:r>
+              <a:rPr lang="en-US" altLang="zh-CN" sz="2000" dirty="0">
+                <a:latin typeface="宋体" panose="02010600030101010101" pitchFamily="2" charset="-122"/>
+              </a:rPr>
+              <a:t>icrosoft PPT</a:t>
             </a:r>
             <a:r>
               <a:rPr lang="zh-CN" altLang="en-US" sz="2000" dirty="0">
@@ -5253,6 +5259,12 @@
                 <a:ea typeface="宋体" panose="02010600030101010101" pitchFamily="2" charset="-122"/>
               </a:rPr>
               <a:t>，</a:t>
+            </a:r>
+            <a:r>
+              <a:rPr lang="en-US" altLang="zh-CN" sz="2000" dirty="0">
+                <a:latin typeface="宋体" panose="02010600030101010101" pitchFamily="2" charset="-122"/>
+              </a:rPr>
+              <a:t> Microsoft </a:t>
             </a:r>
             <a:r>
               <a:rPr lang="en-US" altLang="zh-CN" sz="2000" dirty="0">
